--- a/Project 1 fin.pptx
+++ b/Project 1 fin.pptx
@@ -2,27 +2,27 @@
 <file path=ppt/presentation.xml><?xml version="1.0" encoding="utf-8"?>
 <p:presentation xmlns:a="http://schemas.openxmlformats.org/drawingml/2006/main" xmlns:r="http://schemas.openxmlformats.org/officeDocument/2006/relationships" xmlns:p="http://schemas.openxmlformats.org/presentationml/2006/main" showSpecialPlsOnTitleSld="0" autoCompressPictures="0">
   <p:sldMasterIdLst>
-    <p:sldMasterId id="2147483648" r:id="rId1"/>
+    <p:sldMasterId id="2147483648" r:id="rId2"/>
   </p:sldMasterIdLst>
   <p:notesMasterIdLst>
-    <p:notesMasterId r:id="rId4"/>
+    <p:notesMasterId r:id="rId10"/>
   </p:notesMasterIdLst>
   <p:handoutMasterIdLst>
     <p:handoutMasterId r:id="rId11"/>
   </p:handoutMasterIdLst>
   <p:sldIdLst>
     <p:sldId id="257" r:id="rId3"/>
-    <p:sldId id="271" r:id="rId5"/>
-    <p:sldId id="283" r:id="rId6"/>
-    <p:sldId id="277" r:id="rId7"/>
-    <p:sldId id="286" r:id="rId8"/>
-    <p:sldId id="287" r:id="rId9"/>
-    <p:sldId id="288" r:id="rId10"/>
+    <p:sldId id="271" r:id="rId4"/>
+    <p:sldId id="283" r:id="rId5"/>
+    <p:sldId id="277" r:id="rId6"/>
+    <p:sldId id="286" r:id="rId7"/>
+    <p:sldId id="287" r:id="rId8"/>
+    <p:sldId id="288" r:id="rId9"/>
   </p:sldIdLst>
   <p:sldSz cx="12192000" cy="6858000"/>
   <p:notesSz cx="6858000" cy="9144000"/>
   <p:custDataLst>
-    <p:tags r:id="rId16"/>
+    <p:tags r:id="rId12"/>
   </p:custDataLst>
   <p:defaultTextStyle>
     <a:defPPr>
@@ -149,6 +149,9 @@
         </p15:guide>
       </p15:sldGuideLst>
     </p:ext>
+    <p:ext uri="{2D200454-40CA-4A62-9FC3-DE9A4176ACB9}">
+      <p15:notesGuideLst xmlns:p15="http://schemas.microsoft.com/office/powerpoint/2012/main"/>
+    </p:ext>
   </p:extLst>
 </p:presentation>
 </file>
@@ -204,6 +207,7 @@
           <a:p>
             <a:fld id="{FD913024-4032-4B4F-8680-09D5E08EDB6E}" type="datetimeFigureOut">
               <a:rPr lang="en-US" smtClean="0"/>
+              <a:t>7/26/2024</a:t>
             </a:fld>
             <a:endParaRPr lang="en-US" dirty="0"/>
           </a:p>
@@ -269,12 +273,18 @@
           <a:p>
             <a:fld id="{49E357A0-8177-46BC-BFCE-19D99E3453CC}" type="slidenum">
               <a:rPr lang="en-US" smtClean="0"/>
+              <a:t>‹#›</a:t>
             </a:fld>
             <a:endParaRPr lang="en-US" dirty="0"/>
           </a:p>
         </p:txBody>
       </p:sp>
     </p:spTree>
+    <p:extLst>
+      <p:ext uri="{BB962C8B-B14F-4D97-AF65-F5344CB8AC3E}">
+        <p14:creationId xmlns:p14="http://schemas.microsoft.com/office/powerpoint/2010/main" val="1"/>
+      </p:ext>
+    </p:extLst>
   </p:cSld>
   <p:clrMap bg1="lt1" tx1="dk1" bg2="lt2" tx2="dk2" accent1="accent1" accent2="accent2" accent3="accent3" accent4="accent4" accent5="accent5" accent6="accent6" hlink="hlink" folHlink="folHlink"/>
 </p:handoutMaster>
@@ -362,6 +372,7 @@
           <a:p>
             <a:fld id="{F2AE225E-43E0-7047-8ADB-DD9EBB41B4D0}" type="datetimeFigureOut">
               <a:rPr lang="en-US" noProof="0" smtClean="0"/>
+              <a:t>7/26/2024</a:t>
             </a:fld>
             <a:endParaRPr lang="en-US" noProof="0" dirty="0"/>
           </a:p>
@@ -428,7 +439,6 @@
               <a:rPr lang="en-US" noProof="0"/>
               <a:t>Click to edit Master text styles</a:t>
             </a:r>
-            <a:endParaRPr lang="en-US" noProof="0"/>
           </a:p>
           <a:p>
             <a:pPr lvl="1"/>
@@ -436,7 +446,6 @@
               <a:rPr lang="en-US" noProof="0"/>
               <a:t>Second level</a:t>
             </a:r>
-            <a:endParaRPr lang="en-US" noProof="0"/>
           </a:p>
           <a:p>
             <a:pPr lvl="2"/>
@@ -444,7 +453,6 @@
               <a:rPr lang="en-US" noProof="0"/>
               <a:t>Third level</a:t>
             </a:r>
-            <a:endParaRPr lang="en-US" noProof="0"/>
           </a:p>
           <a:p>
             <a:pPr lvl="3"/>
@@ -452,7 +460,6 @@
               <a:rPr lang="en-US" noProof="0"/>
               <a:t>Fourth level</a:t>
             </a:r>
-            <a:endParaRPr lang="en-US" noProof="0"/>
           </a:p>
           <a:p>
             <a:pPr lvl="4"/>
@@ -460,7 +467,6 @@
               <a:rPr lang="en-US" noProof="0"/>
               <a:t>Fifth level</a:t>
             </a:r>
-            <a:endParaRPr lang="en-US" noProof="0"/>
           </a:p>
         </p:txBody>
       </p:sp>
@@ -524,6 +530,7 @@
           <a:p>
             <a:fld id="{7C366290-4595-5745-A50F-D5EC13BAC604}" type="slidenum">
               <a:rPr lang="en-US" noProof="0" smtClean="0"/>
+              <a:t>‹#›</a:t>
             </a:fld>
             <a:endParaRPr lang="en-US" noProof="0" dirty="0"/>
           </a:p>
@@ -683,7 +690,6 @@
               <a:rPr lang="en-US" dirty="0"/>
               <a:t> will do the second half.</a:t>
             </a:r>
-            <a:endParaRPr lang="en-US" dirty="0"/>
           </a:p>
         </p:txBody>
       </p:sp>
@@ -704,6 +710,7 @@
           <a:p>
             <a:fld id="{7C366290-4595-5745-A50F-D5EC13BAC604}" type="slidenum">
               <a:rPr lang="en-US" noProof="0" smtClean="0"/>
+              <a:t>1</a:t>
             </a:fld>
             <a:endParaRPr lang="en-US" noProof="0" dirty="0"/>
           </a:p>
@@ -833,6 +840,7 @@
           <a:p>
             <a:fld id="{7C366290-4595-5745-A50F-D5EC13BAC604}" type="slidenum">
               <a:rPr lang="en-US" noProof="0" smtClean="0"/>
+              <a:t>2</a:t>
             </a:fld>
             <a:endParaRPr lang="en-US" noProof="0" dirty="0"/>
           </a:p>
@@ -936,12 +944,6 @@
               </a:rPr>
               <a:t>The third step is to calculate weighted average, just calculate center of gravity for each group of these clusters.</a:t>
             </a:r>
-            <a:endParaRPr lang="en-US" altLang="zh-CN" sz="1800" kern="100" dirty="0">
-              <a:effectLst/>
-              <a:latin typeface="Calibri" panose="020F0502020204030204" pitchFamily="34" charset="0"/>
-              <a:ea typeface="SimSun" panose="02010600030101010101" pitchFamily="2" charset="-122"/>
-              <a:cs typeface="Times New Roman" panose="02020603050405020304" pitchFamily="18" charset="0"/>
-            </a:endParaRPr>
           </a:p>
           <a:p>
             <a:pPr marL="0" marR="0" lvl="0" indent="0" algn="just" defTabSz="914400" rtl="0" eaLnBrk="1" fontAlgn="auto" latinLnBrk="0" hangingPunct="1">
@@ -1031,6 +1033,7 @@
           <a:p>
             <a:fld id="{7C366290-4595-5745-A50F-D5EC13BAC604}" type="slidenum">
               <a:rPr lang="en-US" noProof="0" smtClean="0"/>
+              <a:t>3</a:t>
             </a:fld>
             <a:endParaRPr lang="en-US" noProof="0" dirty="0"/>
           </a:p>
@@ -1142,6 +1145,7 @@
           <a:p>
             <a:fld id="{7C366290-4595-5745-A50F-D5EC13BAC604}" type="slidenum">
               <a:rPr lang="en-US" noProof="0" smtClean="0"/>
+              <a:t>4</a:t>
             </a:fld>
             <a:endParaRPr lang="en-US" noProof="0" dirty="0"/>
           </a:p>
@@ -1343,6 +1347,7 @@
           <a:p>
             <a:fld id="{7C366290-4595-5745-A50F-D5EC13BAC604}" type="slidenum">
               <a:rPr lang="en-US" noProof="0" smtClean="0"/>
+              <a:t>5</a:t>
             </a:fld>
             <a:endParaRPr lang="en-US" noProof="0" dirty="0"/>
           </a:p>
@@ -1472,6 +1477,7 @@
           <a:p>
             <a:fld id="{7C366290-4595-5745-A50F-D5EC13BAC604}" type="slidenum">
               <a:rPr lang="en-US" noProof="0" smtClean="0"/>
+              <a:t>6</a:t>
             </a:fld>
             <a:endParaRPr lang="en-US" noProof="0" dirty="0"/>
           </a:p>
@@ -1601,6 +1607,7 @@
           <a:p>
             <a:fld id="{7C366290-4595-5745-A50F-D5EC13BAC604}" type="slidenum">
               <a:rPr lang="en-US" noProof="0" smtClean="0"/>
+              <a:t>7</a:t>
             </a:fld>
             <a:endParaRPr lang="en-US" noProof="0" dirty="0"/>
           </a:p>
@@ -1615,7 +1622,7 @@
 </file>
 
 <file path=ppt/slideLayouts/slideLayout1.xml><?xml version="1.0" encoding="utf-8"?>
-<p:sldLayout xmlns:a="http://schemas.openxmlformats.org/drawingml/2006/main" xmlns:r="http://schemas.openxmlformats.org/officeDocument/2006/relationships" xmlns:p="http://schemas.openxmlformats.org/presentationml/2006/main" preserve="1" showMasterSp="0" userDrawn="1">
+<p:sldLayout xmlns:a="http://schemas.openxmlformats.org/drawingml/2006/main" xmlns:r="http://schemas.openxmlformats.org/officeDocument/2006/relationships" xmlns:p="http://schemas.openxmlformats.org/presentationml/2006/main" showMasterSp="0" preserve="1" userDrawn="1">
   <p:cSld name="Title Slide 2">
     <p:bg>
       <p:bgPr>
@@ -4914,7 +4921,6 @@
               <a:rPr lang="en-US" dirty="0"/>
               <a:t>click to add title</a:t>
             </a:r>
-            <a:endParaRPr lang="en-US" dirty="0"/>
           </a:p>
         </p:txBody>
       </p:sp>
@@ -4927,7 +4933,7 @@
 </file>
 
 <file path=ppt/slideLayouts/slideLayout10.xml><?xml version="1.0" encoding="utf-8"?>
-<p:sldLayout xmlns:a="http://schemas.openxmlformats.org/drawingml/2006/main" xmlns:r="http://schemas.openxmlformats.org/officeDocument/2006/relationships" xmlns:p="http://schemas.openxmlformats.org/presentationml/2006/main" preserve="1" showMasterSp="0" userDrawn="1">
+<p:sldLayout xmlns:a="http://schemas.openxmlformats.org/drawingml/2006/main" xmlns:r="http://schemas.openxmlformats.org/officeDocument/2006/relationships" xmlns:p="http://schemas.openxmlformats.org/presentationml/2006/main" showMasterSp="0" preserve="1" userDrawn="1">
   <p:cSld name="Title and Two Content 2">
     <p:bg>
       <p:bgPr>
@@ -6450,7 +6456,6 @@
               <a:rPr lang="en-US"/>
               <a:t>Click to edit Master text styles</a:t>
             </a:r>
-            <a:endParaRPr lang="en-US"/>
           </a:p>
           <a:p>
             <a:pPr lvl="1"/>
@@ -6458,7 +6463,6 @@
               <a:rPr lang="en-US"/>
               <a:t>Second level</a:t>
             </a:r>
-            <a:endParaRPr lang="en-US"/>
           </a:p>
           <a:p>
             <a:pPr lvl="2"/>
@@ -6466,7 +6470,6 @@
               <a:rPr lang="en-US"/>
               <a:t>Third level</a:t>
             </a:r>
-            <a:endParaRPr lang="en-US"/>
           </a:p>
           <a:p>
             <a:pPr lvl="3"/>
@@ -6474,7 +6477,6 @@
               <a:rPr lang="en-US"/>
               <a:t>Fourth level</a:t>
             </a:r>
-            <a:endParaRPr lang="en-US"/>
           </a:p>
           <a:p>
             <a:pPr lvl="4"/>
@@ -6551,7 +6553,6 @@
               <a:rPr lang="en-US"/>
               <a:t>Click to edit Master text styles</a:t>
             </a:r>
-            <a:endParaRPr lang="en-US"/>
           </a:p>
           <a:p>
             <a:pPr lvl="1"/>
@@ -6559,7 +6560,6 @@
               <a:rPr lang="en-US"/>
               <a:t>Second level</a:t>
             </a:r>
-            <a:endParaRPr lang="en-US"/>
           </a:p>
           <a:p>
             <a:pPr lvl="2"/>
@@ -6567,7 +6567,6 @@
               <a:rPr lang="en-US"/>
               <a:t>Third level</a:t>
             </a:r>
-            <a:endParaRPr lang="en-US"/>
           </a:p>
           <a:p>
             <a:pPr lvl="3"/>
@@ -6575,7 +6574,6 @@
               <a:rPr lang="en-US"/>
               <a:t>Fourth level</a:t>
             </a:r>
-            <a:endParaRPr lang="en-US"/>
           </a:p>
           <a:p>
             <a:pPr lvl="4"/>
@@ -6621,6 +6619,7 @@
           <a:p>
             <a:fld id="{58FB4751-880F-D840-AAA9-3A15815CC996}" type="slidenum">
               <a:rPr lang="en-US" smtClean="0"/>
+              <a:t>‹#›</a:t>
             </a:fld>
             <a:endParaRPr lang="en-US" dirty="0"/>
           </a:p>
@@ -7082,7 +7081,6 @@
               <a:rPr lang="en-US" dirty="0"/>
               <a:t>click to add title</a:t>
             </a:r>
-            <a:endParaRPr lang="en-US" dirty="0"/>
           </a:p>
         </p:txBody>
       </p:sp>
@@ -7151,7 +7149,6 @@
               <a:rPr lang="en-US"/>
               <a:t>Click to edit Master text styles</a:t>
             </a:r>
-            <a:endParaRPr lang="en-US"/>
           </a:p>
           <a:p>
             <a:pPr lvl="1"/>
@@ -7159,7 +7156,6 @@
               <a:rPr lang="en-US"/>
               <a:t>Second level</a:t>
             </a:r>
-            <a:endParaRPr lang="en-US"/>
           </a:p>
           <a:p>
             <a:pPr lvl="2"/>
@@ -7167,7 +7163,6 @@
               <a:rPr lang="en-US"/>
               <a:t>Third level</a:t>
             </a:r>
-            <a:endParaRPr lang="en-US"/>
           </a:p>
           <a:p>
             <a:pPr lvl="3"/>
@@ -7175,7 +7170,6 @@
               <a:rPr lang="en-US"/>
               <a:t>Fourth level</a:t>
             </a:r>
-            <a:endParaRPr lang="en-US"/>
           </a:p>
           <a:p>
             <a:pPr lvl="4"/>
@@ -7251,7 +7245,6 @@
               <a:rPr lang="en-US"/>
               <a:t>Click to edit Master text styles</a:t>
             </a:r>
-            <a:endParaRPr lang="en-US"/>
           </a:p>
           <a:p>
             <a:pPr lvl="1"/>
@@ -7259,7 +7252,6 @@
               <a:rPr lang="en-US"/>
               <a:t>Second level</a:t>
             </a:r>
-            <a:endParaRPr lang="en-US"/>
           </a:p>
           <a:p>
             <a:pPr lvl="2"/>
@@ -7267,7 +7259,6 @@
               <a:rPr lang="en-US"/>
               <a:t>Third level</a:t>
             </a:r>
-            <a:endParaRPr lang="en-US"/>
           </a:p>
           <a:p>
             <a:pPr lvl="3"/>
@@ -7275,7 +7266,6 @@
               <a:rPr lang="en-US"/>
               <a:t>Fourth level</a:t>
             </a:r>
-            <a:endParaRPr lang="en-US"/>
           </a:p>
           <a:p>
             <a:pPr lvl="4"/>
@@ -7321,6 +7311,7 @@
           <a:p>
             <a:fld id="{58FB4751-880F-D840-AAA9-3A15815CC996}" type="slidenum">
               <a:rPr lang="en-US" smtClean="0"/>
+              <a:t>‹#›</a:t>
             </a:fld>
             <a:endParaRPr lang="en-US" dirty="0"/>
           </a:p>
@@ -7661,7 +7652,6 @@
               <a:rPr lang="en-US" dirty="0"/>
               <a:t>click to add title</a:t>
             </a:r>
-            <a:endParaRPr lang="en-US" dirty="0"/>
           </a:p>
         </p:txBody>
       </p:sp>
@@ -7689,7 +7679,6 @@
               <a:rPr lang="en-US"/>
               <a:t>Click icon to add table</a:t>
             </a:r>
-            <a:endParaRPr lang="en-US"/>
           </a:p>
         </p:txBody>
       </p:sp>
@@ -7727,6 +7716,7 @@
           <a:p>
             <a:fld id="{58FB4751-880F-D840-AAA9-3A15815CC996}" type="slidenum">
               <a:rPr lang="en-US" smtClean="0"/>
+              <a:t>‹#›</a:t>
             </a:fld>
             <a:endParaRPr lang="en-US" dirty="0"/>
           </a:p>
@@ -7741,7 +7731,7 @@
 </file>
 
 <file path=ppt/slideLayouts/slideLayout13.xml><?xml version="1.0" encoding="utf-8"?>
-<p:sldLayout xmlns:a="http://schemas.openxmlformats.org/drawingml/2006/main" xmlns:r="http://schemas.openxmlformats.org/officeDocument/2006/relationships" xmlns:p="http://schemas.openxmlformats.org/presentationml/2006/main" preserve="1" showMasterSp="0" userDrawn="1">
+<p:sldLayout xmlns:a="http://schemas.openxmlformats.org/drawingml/2006/main" xmlns:r="http://schemas.openxmlformats.org/officeDocument/2006/relationships" xmlns:p="http://schemas.openxmlformats.org/presentationml/2006/main" showMasterSp="0" preserve="1" userDrawn="1">
   <p:cSld name="Closing">
     <p:bg>
       <p:bgPr>
@@ -9468,7 +9458,6 @@
               <a:rPr lang="en-US" dirty="0"/>
               <a:t>click to add title</a:t>
             </a:r>
-            <a:endParaRPr lang="en-US" dirty="0"/>
           </a:p>
         </p:txBody>
       </p:sp>
@@ -9537,7 +9526,6 @@
               <a:rPr lang="en-US"/>
               <a:t>Click to edit Master text styles</a:t>
             </a:r>
-            <a:endParaRPr lang="en-US"/>
           </a:p>
           <a:p>
             <a:pPr lvl="1"/>
@@ -9545,7 +9533,6 @@
               <a:rPr lang="en-US"/>
               <a:t>Second level</a:t>
             </a:r>
-            <a:endParaRPr lang="en-US"/>
           </a:p>
           <a:p>
             <a:pPr lvl="2"/>
@@ -9553,7 +9540,6 @@
               <a:rPr lang="en-US"/>
               <a:t>Third level</a:t>
             </a:r>
-            <a:endParaRPr lang="en-US"/>
           </a:p>
           <a:p>
             <a:pPr lvl="3"/>
@@ -9561,7 +9547,6 @@
               <a:rPr lang="en-US"/>
               <a:t>Fourth level</a:t>
             </a:r>
-            <a:endParaRPr lang="en-US"/>
           </a:p>
           <a:p>
             <a:pPr lvl="4"/>
@@ -11241,6 +11226,7 @@
           <a:p>
             <a:fld id="{58FB4751-880F-D840-AAA9-3A15815CC996}" type="slidenum">
               <a:rPr lang="en-US" smtClean="0"/>
+              <a:t>‹#›</a:t>
             </a:fld>
             <a:endParaRPr lang="en-US" dirty="0"/>
           </a:p>
@@ -11255,7 +11241,7 @@
 </file>
 
 <file path=ppt/slideLayouts/slideLayout2.xml><?xml version="1.0" encoding="utf-8"?>
-<p:sldLayout xmlns:a="http://schemas.openxmlformats.org/drawingml/2006/main" xmlns:r="http://schemas.openxmlformats.org/officeDocument/2006/relationships" xmlns:p="http://schemas.openxmlformats.org/presentationml/2006/main" type="obj" preserve="1" showMasterSp="0">
+<p:sldLayout xmlns:a="http://schemas.openxmlformats.org/drawingml/2006/main" xmlns:r="http://schemas.openxmlformats.org/officeDocument/2006/relationships" xmlns:p="http://schemas.openxmlformats.org/presentationml/2006/main" showMasterSp="0" type="obj" preserve="1">
   <p:cSld name="Agenda 2">
     <p:bg>
       <p:bgPr>
@@ -13014,7 +13000,6 @@
               <a:rPr lang="en-US" dirty="0"/>
               <a:t>click to add title</a:t>
             </a:r>
-            <a:endParaRPr lang="en-US" dirty="0"/>
           </a:p>
         </p:txBody>
       </p:sp>
@@ -13063,7 +13048,6 @@
               <a:rPr lang="en-US" dirty="0"/>
               <a:t>Click to add text</a:t>
             </a:r>
-            <a:endParaRPr lang="en-US" dirty="0"/>
           </a:p>
           <a:p>
             <a:pPr lvl="1"/>
@@ -13071,7 +13055,6 @@
               <a:rPr lang="en-US" dirty="0"/>
               <a:t>Second level</a:t>
             </a:r>
-            <a:endParaRPr lang="en-US" dirty="0"/>
           </a:p>
           <a:p>
             <a:pPr lvl="2"/>
@@ -13079,7 +13062,6 @@
               <a:rPr lang="en-US" dirty="0"/>
               <a:t>Third level</a:t>
             </a:r>
-            <a:endParaRPr lang="en-US" dirty="0"/>
           </a:p>
           <a:p>
             <a:pPr lvl="3"/>
@@ -13087,7 +13069,6 @@
               <a:rPr lang="en-US" dirty="0"/>
               <a:t>Fourth level</a:t>
             </a:r>
-            <a:endParaRPr lang="en-US" dirty="0"/>
           </a:p>
           <a:p>
             <a:pPr lvl="4"/>
@@ -13095,7 +13076,6 @@
               <a:rPr lang="en-US" dirty="0"/>
               <a:t>Fifth level</a:t>
             </a:r>
-            <a:endParaRPr lang="en-US" dirty="0"/>
           </a:p>
         </p:txBody>
       </p:sp>
@@ -13108,7 +13088,7 @@
 </file>
 
 <file path=ppt/slideLayouts/slideLayout3.xml><?xml version="1.0" encoding="utf-8"?>
-<p:sldLayout xmlns:a="http://schemas.openxmlformats.org/drawingml/2006/main" xmlns:r="http://schemas.openxmlformats.org/officeDocument/2006/relationships" xmlns:p="http://schemas.openxmlformats.org/presentationml/2006/main" preserve="1" showMasterSp="0" userDrawn="1">
+<p:sldLayout xmlns:a="http://schemas.openxmlformats.org/drawingml/2006/main" xmlns:r="http://schemas.openxmlformats.org/officeDocument/2006/relationships" xmlns:p="http://schemas.openxmlformats.org/presentationml/2006/main" showMasterSp="0" preserve="1" userDrawn="1">
   <p:cSld name="Picture with Caption 2">
     <p:bg>
       <p:bgPr>
@@ -13163,7 +13143,6 @@
               <a:rPr lang="en-US" dirty="0"/>
               <a:t>click to add title</a:t>
             </a:r>
-            <a:endParaRPr lang="en-US" dirty="0"/>
           </a:p>
         </p:txBody>
       </p:sp>
@@ -13588,7 +13567,7 @@
 </file>
 
 <file path=ppt/slideLayouts/slideLayout4.xml><?xml version="1.0" encoding="utf-8"?>
-<p:sldLayout xmlns:a="http://schemas.openxmlformats.org/drawingml/2006/main" xmlns:r="http://schemas.openxmlformats.org/officeDocument/2006/relationships" xmlns:p="http://schemas.openxmlformats.org/presentationml/2006/main" preserve="1" showMasterSp="0" userDrawn="1">
+<p:sldLayout xmlns:a="http://schemas.openxmlformats.org/drawingml/2006/main" xmlns:r="http://schemas.openxmlformats.org/officeDocument/2006/relationships" xmlns:p="http://schemas.openxmlformats.org/presentationml/2006/main" showMasterSp="0" preserve="1" userDrawn="1">
   <p:cSld name="Section Header 1">
     <p:bg>
       <p:bgPr>
@@ -14205,7 +14184,6 @@
               <a:rPr lang="en-US" dirty="0"/>
               <a:t>click to add title</a:t>
             </a:r>
-            <a:endParaRPr lang="en-US" dirty="0"/>
           </a:p>
         </p:txBody>
       </p:sp>
@@ -14396,7 +14374,6 @@
               <a:rPr lang="en-US" dirty="0"/>
               <a:t>Click to add text</a:t>
             </a:r>
-            <a:endParaRPr lang="en-US" dirty="0"/>
           </a:p>
           <a:p>
             <a:pPr lvl="1"/>
@@ -14404,7 +14381,6 @@
               <a:rPr lang="en-US" dirty="0"/>
               <a:t>Second level</a:t>
             </a:r>
-            <a:endParaRPr lang="en-US" dirty="0"/>
           </a:p>
           <a:p>
             <a:pPr lvl="2"/>
@@ -14412,7 +14388,6 @@
               <a:rPr lang="en-US" dirty="0"/>
               <a:t>Third level</a:t>
             </a:r>
-            <a:endParaRPr lang="en-US" dirty="0"/>
           </a:p>
         </p:txBody>
       </p:sp>
@@ -14892,7 +14867,6 @@
               <a:rPr lang="en-US" dirty="0"/>
               <a:t>click to add title</a:t>
             </a:r>
-            <a:endParaRPr lang="en-US" dirty="0"/>
           </a:p>
         </p:txBody>
       </p:sp>
@@ -16147,7 +16121,6 @@
               <a:rPr lang="en-US"/>
               <a:t>Click to edit Master text styles</a:t>
             </a:r>
-            <a:endParaRPr lang="en-US"/>
           </a:p>
           <a:p>
             <a:pPr lvl="1"/>
@@ -16155,7 +16128,6 @@
               <a:rPr lang="en-US"/>
               <a:t>Second level</a:t>
             </a:r>
-            <a:endParaRPr lang="en-US"/>
           </a:p>
           <a:p>
             <a:pPr lvl="2"/>
@@ -16163,7 +16135,6 @@
               <a:rPr lang="en-US"/>
               <a:t>Third level</a:t>
             </a:r>
-            <a:endParaRPr lang="en-US"/>
           </a:p>
           <a:p>
             <a:pPr lvl="3"/>
@@ -16171,7 +16142,6 @@
               <a:rPr lang="en-US"/>
               <a:t>Fourth level</a:t>
             </a:r>
-            <a:endParaRPr lang="en-US"/>
           </a:p>
           <a:p>
             <a:pPr lvl="4"/>
@@ -16217,6 +16187,7 @@
           <a:p>
             <a:fld id="{58FB4751-880F-D840-AAA9-3A15815CC996}" type="slidenum">
               <a:rPr lang="en-US" smtClean="0"/>
+              <a:t>‹#›</a:t>
             </a:fld>
             <a:endParaRPr lang="en-US" dirty="0"/>
           </a:p>
@@ -16231,7 +16202,7 @@
 </file>
 
 <file path=ppt/slideLayouts/slideLayout6.xml><?xml version="1.0" encoding="utf-8"?>
-<p:sldLayout xmlns:a="http://schemas.openxmlformats.org/drawingml/2006/main" xmlns:r="http://schemas.openxmlformats.org/officeDocument/2006/relationships" xmlns:p="http://schemas.openxmlformats.org/presentationml/2006/main" preserve="1" showMasterSp="0" userDrawn="1">
+<p:sldLayout xmlns:a="http://schemas.openxmlformats.org/drawingml/2006/main" xmlns:r="http://schemas.openxmlformats.org/officeDocument/2006/relationships" xmlns:p="http://schemas.openxmlformats.org/presentationml/2006/main" showMasterSp="0" preserve="1" userDrawn="1">
   <p:cSld name="Quote">
     <p:bg>
       <p:bgPr>
@@ -19955,7 +19926,6 @@
               <a:rPr lang="en-US" dirty="0"/>
               <a:t>click to add title</a:t>
             </a:r>
-            <a:endParaRPr lang="en-US" dirty="0"/>
           </a:p>
         </p:txBody>
       </p:sp>
@@ -19997,7 +19967,6 @@
               <a:rPr lang="en-US" dirty="0"/>
               <a:t>Click to add text</a:t>
             </a:r>
-            <a:endParaRPr lang="en-US" dirty="0"/>
           </a:p>
         </p:txBody>
       </p:sp>
@@ -20062,7 +20031,6 @@
               <a:rPr lang="en-US" dirty="0"/>
               <a:t>click to add title</a:t>
             </a:r>
-            <a:endParaRPr lang="en-US" dirty="0"/>
           </a:p>
         </p:txBody>
       </p:sp>
@@ -20130,7 +20098,6 @@
               <a:rPr lang="en-US"/>
               <a:t>Click to edit Master text styles</a:t>
             </a:r>
-            <a:endParaRPr lang="en-US"/>
           </a:p>
           <a:p>
             <a:pPr lvl="1"/>
@@ -20138,7 +20105,6 @@
               <a:rPr lang="en-US"/>
               <a:t>Second level</a:t>
             </a:r>
-            <a:endParaRPr lang="en-US"/>
           </a:p>
           <a:p>
             <a:pPr lvl="2"/>
@@ -20146,7 +20112,6 @@
               <a:rPr lang="en-US"/>
               <a:t>Third level</a:t>
             </a:r>
-            <a:endParaRPr lang="en-US"/>
           </a:p>
           <a:p>
             <a:pPr lvl="3"/>
@@ -20154,7 +20119,6 @@
               <a:rPr lang="en-US"/>
               <a:t>Fourth level</a:t>
             </a:r>
-            <a:endParaRPr lang="en-US"/>
           </a:p>
           <a:p>
             <a:pPr lvl="4"/>
@@ -20230,7 +20194,6 @@
               <a:rPr lang="en-US"/>
               <a:t>Click to edit Master text styles</a:t>
             </a:r>
-            <a:endParaRPr lang="en-US"/>
           </a:p>
           <a:p>
             <a:pPr lvl="1"/>
@@ -20238,7 +20201,6 @@
               <a:rPr lang="en-US"/>
               <a:t>Second level</a:t>
             </a:r>
-            <a:endParaRPr lang="en-US"/>
           </a:p>
           <a:p>
             <a:pPr lvl="2"/>
@@ -20246,7 +20208,6 @@
               <a:rPr lang="en-US"/>
               <a:t>Third level</a:t>
             </a:r>
-            <a:endParaRPr lang="en-US"/>
           </a:p>
           <a:p>
             <a:pPr lvl="3"/>
@@ -20254,7 +20215,6 @@
               <a:rPr lang="en-US"/>
               <a:t>Fourth level</a:t>
             </a:r>
-            <a:endParaRPr lang="en-US"/>
           </a:p>
           <a:p>
             <a:pPr lvl="4"/>
@@ -21369,6 +21329,7 @@
           <a:p>
             <a:fld id="{58FB4751-880F-D840-AAA9-3A15815CC996}" type="slidenum">
               <a:rPr lang="en-US" smtClean="0"/>
+              <a:t>‹#›</a:t>
             </a:fld>
             <a:endParaRPr lang="en-US" dirty="0"/>
           </a:p>
@@ -23462,7 +23423,6 @@
               <a:rPr lang="en-US" dirty="0"/>
               <a:t>click to add title</a:t>
             </a:r>
-            <a:endParaRPr lang="en-US" dirty="0"/>
           </a:p>
         </p:txBody>
       </p:sp>
@@ -23531,7 +23491,6 @@
               <a:rPr lang="en-US"/>
               <a:t>Click to edit Master text styles</a:t>
             </a:r>
-            <a:endParaRPr lang="en-US"/>
           </a:p>
           <a:p>
             <a:pPr lvl="1"/>
@@ -23539,7 +23498,6 @@
               <a:rPr lang="en-US"/>
               <a:t>Second level</a:t>
             </a:r>
-            <a:endParaRPr lang="en-US"/>
           </a:p>
           <a:p>
             <a:pPr lvl="2"/>
@@ -23547,7 +23505,6 @@
               <a:rPr lang="en-US"/>
               <a:t>Third level</a:t>
             </a:r>
-            <a:endParaRPr lang="en-US"/>
           </a:p>
           <a:p>
             <a:pPr lvl="3"/>
@@ -23555,7 +23512,6 @@
               <a:rPr lang="en-US"/>
               <a:t>Fourth level</a:t>
             </a:r>
-            <a:endParaRPr lang="en-US"/>
           </a:p>
         </p:txBody>
       </p:sp>
@@ -23623,7 +23579,6 @@
               <a:rPr lang="en-US"/>
               <a:t>Click to edit Master text styles</a:t>
             </a:r>
-            <a:endParaRPr lang="en-US"/>
           </a:p>
           <a:p>
             <a:pPr lvl="1"/>
@@ -23631,7 +23586,6 @@
               <a:rPr lang="en-US"/>
               <a:t>Second level</a:t>
             </a:r>
-            <a:endParaRPr lang="en-US"/>
           </a:p>
           <a:p>
             <a:pPr lvl="2"/>
@@ -23639,7 +23593,6 @@
               <a:rPr lang="en-US"/>
               <a:t>Third level</a:t>
             </a:r>
-            <a:endParaRPr lang="en-US"/>
           </a:p>
           <a:p>
             <a:pPr lvl="3"/>
@@ -23647,7 +23600,6 @@
               <a:rPr lang="en-US"/>
               <a:t>Fourth level</a:t>
             </a:r>
-            <a:endParaRPr lang="en-US"/>
           </a:p>
           <a:p>
             <a:pPr lvl="4"/>
@@ -23693,6 +23645,7 @@
           <a:p>
             <a:fld id="{58FB4751-880F-D840-AAA9-3A15815CC996}" type="slidenum">
               <a:rPr lang="en-US" smtClean="0"/>
+              <a:t>‹#›</a:t>
             </a:fld>
             <a:endParaRPr lang="en-US" dirty="0"/>
           </a:p>
@@ -23707,7 +23660,7 @@
 </file>
 
 <file path=ppt/slideLayouts/slideLayout9.xml><?xml version="1.0" encoding="utf-8"?>
-<p:sldLayout xmlns:a="http://schemas.openxmlformats.org/drawingml/2006/main" xmlns:r="http://schemas.openxmlformats.org/officeDocument/2006/relationships" xmlns:p="http://schemas.openxmlformats.org/presentationml/2006/main" preserve="1" showMasterSp="0" userDrawn="1">
+<p:sldLayout xmlns:a="http://schemas.openxmlformats.org/drawingml/2006/main" xmlns:r="http://schemas.openxmlformats.org/officeDocument/2006/relationships" xmlns:p="http://schemas.openxmlformats.org/presentationml/2006/main" showMasterSp="0" preserve="1" userDrawn="1">
   <p:cSld name="Title Content and Picture">
     <p:bg>
       <p:bgPr>
@@ -24935,7 +24888,6 @@
               <a:rPr lang="en-US"/>
               <a:t>Click to edit Master text styles</a:t>
             </a:r>
-            <a:endParaRPr lang="en-US"/>
           </a:p>
           <a:p>
             <a:pPr lvl="1"/>
@@ -24943,7 +24895,6 @@
               <a:rPr lang="en-US"/>
               <a:t>Second level</a:t>
             </a:r>
-            <a:endParaRPr lang="en-US"/>
           </a:p>
           <a:p>
             <a:pPr lvl="2"/>
@@ -24951,7 +24902,6 @@
               <a:rPr lang="en-US"/>
               <a:t>Third level</a:t>
             </a:r>
-            <a:endParaRPr lang="en-US"/>
           </a:p>
           <a:p>
             <a:pPr lvl="3"/>
@@ -24959,7 +24909,6 @@
               <a:rPr lang="en-US"/>
               <a:t>Fourth level</a:t>
             </a:r>
-            <a:endParaRPr lang="en-US"/>
           </a:p>
           <a:p>
             <a:pPr lvl="4"/>
@@ -25944,6 +25893,7 @@
           <a:p>
             <a:fld id="{58FB4751-880F-D840-AAA9-3A15815CC996}" type="slidenum">
               <a:rPr lang="en-US" smtClean="0"/>
+              <a:t>‹#›</a:t>
             </a:fld>
             <a:endParaRPr lang="en-US" dirty="0"/>
           </a:p>
@@ -26045,7 +25995,6 @@
               <a:rPr lang="en-US"/>
               <a:t>Click to edit Master text styles</a:t>
             </a:r>
-            <a:endParaRPr lang="en-US"/>
           </a:p>
           <a:p>
             <a:pPr lvl="1"/>
@@ -26053,7 +26002,6 @@
               <a:rPr lang="en-US"/>
               <a:t>Second level</a:t>
             </a:r>
-            <a:endParaRPr lang="en-US"/>
           </a:p>
           <a:p>
             <a:pPr lvl="2"/>
@@ -26061,7 +26009,6 @@
               <a:rPr lang="en-US"/>
               <a:t>Third level</a:t>
             </a:r>
-            <a:endParaRPr lang="en-US"/>
           </a:p>
           <a:p>
             <a:pPr lvl="3"/>
@@ -26069,7 +26016,6 @@
               <a:rPr lang="en-US"/>
               <a:t>Fourth level</a:t>
             </a:r>
-            <a:endParaRPr lang="en-US"/>
           </a:p>
           <a:p>
             <a:pPr lvl="4"/>
@@ -26077,7 +26023,6 @@
               <a:rPr lang="en-US"/>
               <a:t>Fifth level</a:t>
             </a:r>
-            <a:endParaRPr lang="en-US"/>
           </a:p>
         </p:txBody>
       </p:sp>
@@ -26185,6 +26130,7 @@
           <a:p>
             <a:fld id="{58FB4751-880F-D840-AAA9-3A15815CC996}" type="slidenum">
               <a:rPr lang="en-US" smtClean="0"/>
+              <a:t>‹#›</a:t>
             </a:fld>
             <a:endParaRPr lang="en-US" dirty="0"/>
           </a:p>
@@ -26810,10 +26756,6 @@
               </a:rPr>
               <a:t>“Cluster Finding" in image processing</a:t>
             </a:r>
-            <a:endParaRPr lang="en-US" altLang="zh-CN" sz="2400" dirty="0">
-              <a:latin typeface="Arial" panose="020B0604020202020204" pitchFamily="34" charset="0"/>
-              <a:cs typeface="Arial" panose="020B0604020202020204" pitchFamily="34" charset="0"/>
-            </a:endParaRPr>
           </a:p>
           <a:p>
             <a:pPr marL="0" indent="0">
@@ -26826,10 +26768,6 @@
               </a:rPr>
               <a:t>Develop algorithms to identify "clusters</a:t>
             </a:r>
-            <a:endParaRPr lang="en-US" altLang="zh-CN" sz="2400" dirty="0">
-              <a:latin typeface="Arial" panose="020B0604020202020204" pitchFamily="34" charset="0"/>
-              <a:cs typeface="Arial" panose="020B0604020202020204" pitchFamily="34" charset="0"/>
-            </a:endParaRPr>
           </a:p>
           <a:p>
             <a:pPr marL="0" indent="0">
@@ -26864,6 +26802,7 @@
           <a:p>
             <a:fld id="{58FB4751-880F-D840-AAA9-3A15815CC996}" type="slidenum">
               <a:rPr lang="en-US" smtClean="0"/>
+              <a:t>2</a:t>
             </a:fld>
             <a:endParaRPr lang="en-US" dirty="0"/>
           </a:p>
@@ -26878,7 +26817,7 @@
           <p:nvPr/>
         </p:nvPicPr>
         <p:blipFill>
-          <a:blip r:embed="rId1"/>
+          <a:blip r:embed="rId3"/>
           <a:stretch>
             <a:fillRect/>
           </a:stretch>
@@ -26945,10 +26884,6 @@
               </a:rPr>
               <a:t>Local Maximum Finding Algorithm: A Simple Approach</a:t>
             </a:r>
-            <a:endParaRPr lang="en-US" dirty="0">
-              <a:latin typeface="Arial" panose="020B0604020202020204" pitchFamily="34" charset="0"/>
-              <a:cs typeface="Arial" panose="020B0604020202020204" pitchFamily="34" charset="0"/>
-            </a:endParaRPr>
           </a:p>
         </p:txBody>
       </p:sp>
@@ -26974,6 +26909,7 @@
           <a:p>
             <a:fld id="{58FB4751-880F-D840-AAA9-3A15815CC996}" type="slidenum">
               <a:rPr lang="en-US" smtClean="0"/>
+              <a:t>3</a:t>
             </a:fld>
             <a:endParaRPr lang="en-US" dirty="0"/>
           </a:p>
@@ -26990,7 +26926,7 @@
           </p:nvPr>
         </p:nvPicPr>
         <p:blipFill>
-          <a:blip r:embed="rId1"/>
+          <a:blip r:embed="rId3"/>
           <a:srcRect l="3028" t="265"/>
           <a:stretch>
             <a:fillRect/>
@@ -27015,7 +26951,7 @@
           <p:nvPr/>
         </p:nvPicPr>
         <p:blipFill>
-          <a:blip r:embed="rId2"/>
+          <a:blip r:embed="rId4"/>
           <a:stretch>
             <a:fillRect/>
           </a:stretch>
@@ -27039,7 +26975,7 @@
           <p:nvPr/>
         </p:nvPicPr>
         <p:blipFill>
-          <a:blip r:embed="rId3"/>
+          <a:blip r:embed="rId5"/>
           <a:stretch>
             <a:fillRect/>
           </a:stretch>
@@ -27114,11 +27050,6 @@
               </a:rPr>
               <a:t>：</a:t>
             </a:r>
-            <a:endParaRPr lang="zh-CN" altLang="en-US" dirty="0">
-              <a:latin typeface="Arial" panose="020B0604020202020204" pitchFamily="34" charset="0"/>
-              <a:ea typeface="SimSun" panose="02010600030101010101" pitchFamily="2" charset="-122"/>
-              <a:cs typeface="Arial" panose="020B0604020202020204" pitchFamily="34" charset="0"/>
-            </a:endParaRPr>
           </a:p>
         </p:txBody>
       </p:sp>
@@ -27133,7 +27064,7 @@
           </p:nvPr>
         </p:nvPicPr>
         <p:blipFill>
-          <a:blip r:embed="rId1"/>
+          <a:blip r:embed="rId3"/>
           <a:stretch>
             <a:fillRect/>
           </a:stretch>
@@ -27150,22 +27081,28 @@
       </p:pic>
       <p:pic>
         <p:nvPicPr>
-          <p:cNvPr id="5" name="图片 4"/>
+          <p:cNvPr id="7" name="图片 6">
+            <a:extLst>
+              <a:ext uri="{FF2B5EF4-FFF2-40B4-BE49-F238E27FC236}">
+                <a16:creationId xmlns:a16="http://schemas.microsoft.com/office/drawing/2014/main" id="{42FE1932-D90E-A2F7-2224-5B499AEF959A}"/>
+              </a:ext>
+            </a:extLst>
+          </p:cNvPr>
           <p:cNvPicPr>
             <a:picLocks noChangeAspect="1"/>
           </p:cNvPicPr>
           <p:nvPr/>
         </p:nvPicPr>
         <p:blipFill>
-          <a:blip r:embed="rId2"/>
+          <a:blip r:embed="rId4"/>
           <a:stretch>
             <a:fillRect/>
           </a:stretch>
         </p:blipFill>
         <p:spPr>
           <a:xfrm>
-            <a:off x="7666990" y="153670"/>
-            <a:ext cx="3206115" cy="6550660"/>
+            <a:off x="8381742" y="0"/>
+            <a:ext cx="2895859" cy="6858000"/>
           </a:xfrm>
           <a:prstGeom prst="rect">
             <a:avLst/>
@@ -27240,11 +27177,6 @@
               </a:rPr>
               <a:t>EDSR Model</a:t>
             </a:r>
-            <a:endParaRPr lang="en-US" altLang="zh-CN" dirty="0">
-              <a:latin typeface="Arial" panose="020B0604020202020204" pitchFamily="34" charset="0"/>
-              <a:ea typeface="SimSun" panose="02010600030101010101" pitchFamily="2" charset="-122"/>
-              <a:cs typeface="Arial" panose="020B0604020202020204" pitchFamily="34" charset="0"/>
-            </a:endParaRPr>
           </a:p>
         </p:txBody>
       </p:sp>
@@ -27259,7 +27191,7 @@
           </p:nvPr>
         </p:nvPicPr>
         <p:blipFill>
-          <a:blip r:embed="rId1"/>
+          <a:blip r:embed="rId3"/>
           <a:stretch>
             <a:fillRect/>
           </a:stretch>
@@ -27293,6 +27225,7 @@
           <a:bodyPr vert="horz" wrap="square" lIns="91440" tIns="45720" rIns="91440" bIns="45720" rtlCol="0" anchor="t">
             <a:noAutofit/>
           </a:bodyPr>
+          <a:lstStyle/>
           <a:p>
             <a:pPr marL="0" indent="0" algn="l">
               <a:buNone/>
@@ -27304,10 +27237,6 @@
               </a:rPr>
               <a:t>EDSR uses multiple convolutional layers to extract features from images. Convolutional layers apply filters to the input image, allowing the network to learn spatial hierarchies of features.</a:t>
             </a:r>
-            <a:endParaRPr lang="en-US" altLang="zh-CN" sz="2400" dirty="0">
-              <a:latin typeface="Arial" panose="020B0604020202020204" pitchFamily="34" charset="0"/>
-              <a:cs typeface="Arial" panose="020B0604020202020204" pitchFamily="34" charset="0"/>
-            </a:endParaRPr>
           </a:p>
           <a:p>
             <a:pPr marL="0" indent="0" algn="l">
@@ -27327,10 +27256,6 @@
               </a:rPr>
               <a:t>https://github.com/Coloquinte/torchSR</a:t>
             </a:r>
-            <a:endParaRPr lang="zh-CN" altLang="en-US" sz="2400" dirty="0">
-              <a:latin typeface="Arial" panose="020B0604020202020204" pitchFamily="34" charset="0"/>
-              <a:cs typeface="Arial" panose="020B0604020202020204" pitchFamily="34" charset="0"/>
-            </a:endParaRPr>
           </a:p>
         </p:txBody>
       </p:sp>
@@ -27402,67 +27327,18 @@
               </a:rPr>
               <a:t>EDSR model</a:t>
             </a:r>
-            <a:endParaRPr lang="en-US" altLang="zh-CN" dirty="0">
-              <a:latin typeface="Arial" panose="020B0604020202020204" pitchFamily="34" charset="0"/>
-              <a:ea typeface="SimSun" panose="02010600030101010101" pitchFamily="2" charset="-122"/>
-              <a:cs typeface="Arial" panose="020B0604020202020204" pitchFamily="34" charset="0"/>
-            </a:endParaRPr>
           </a:p>
         </p:txBody>
       </p:sp>
       <p:pic>
         <p:nvPicPr>
-          <p:cNvPr id="4" name="内容占位符 3"/>
-          <p:cNvPicPr>
-            <a:picLocks noGrp="1" noChangeAspect="1"/>
-          </p:cNvPicPr>
-          <p:nvPr>
-            <p:ph sz="quarter" idx="10"/>
-          </p:nvPr>
-        </p:nvPicPr>
-        <p:blipFill>
-          <a:blip r:embed="rId1"/>
-          <a:stretch>
-            <a:fillRect/>
-          </a:stretch>
-        </p:blipFill>
-        <p:spPr>
-          <a:xfrm>
-            <a:off x="697230" y="1316990"/>
-            <a:ext cx="3556000" cy="2726055"/>
-          </a:xfrm>
-          <a:prstGeom prst="rect">
-            <a:avLst/>
-          </a:prstGeom>
-        </p:spPr>
-      </p:pic>
-      <p:pic>
-        <p:nvPicPr>
-          <p:cNvPr id="5" name="图片 4"/>
-          <p:cNvPicPr>
-            <a:picLocks noChangeAspect="1"/>
-          </p:cNvPicPr>
-          <p:nvPr/>
-        </p:nvPicPr>
-        <p:blipFill>
-          <a:blip r:embed="rId2"/>
-          <a:stretch>
-            <a:fillRect/>
-          </a:stretch>
-        </p:blipFill>
-        <p:spPr>
-          <a:xfrm>
-            <a:off x="697230" y="4043045"/>
-            <a:ext cx="3587750" cy="2626995"/>
-          </a:xfrm>
-          <a:prstGeom prst="rect">
-            <a:avLst/>
-          </a:prstGeom>
-        </p:spPr>
-      </p:pic>
-      <p:pic>
-        <p:nvPicPr>
-          <p:cNvPr id="6" name="图片 5"/>
+          <p:cNvPr id="3" name="图片 2">
+            <a:extLst>
+              <a:ext uri="{FF2B5EF4-FFF2-40B4-BE49-F238E27FC236}">
+                <a16:creationId xmlns:a16="http://schemas.microsoft.com/office/drawing/2014/main" id="{7B48F1F5-1074-C8E3-630A-9BD889CF4E9E}"/>
+              </a:ext>
+            </a:extLst>
+          </p:cNvPr>
           <p:cNvPicPr>
             <a:picLocks noChangeAspect="1"/>
           </p:cNvPicPr>
@@ -27476,8 +27352,63 @@
         </p:blipFill>
         <p:spPr>
           <a:xfrm>
-            <a:off x="5458460" y="1762125"/>
-            <a:ext cx="5740400" cy="4432300"/>
+            <a:off x="993140" y="1152525"/>
+            <a:ext cx="3587979" cy="5705475"/>
+          </a:xfrm>
+          <a:prstGeom prst="rect">
+            <a:avLst/>
+          </a:prstGeom>
+        </p:spPr>
+      </p:pic>
+      <p:sp>
+        <p:nvSpPr>
+          <p:cNvPr id="8" name="内容占位符 7">
+            <a:extLst>
+              <a:ext uri="{FF2B5EF4-FFF2-40B4-BE49-F238E27FC236}">
+                <a16:creationId xmlns:a16="http://schemas.microsoft.com/office/drawing/2014/main" id="{56059AAF-E2FD-B911-D1E5-E565C375073E}"/>
+              </a:ext>
+            </a:extLst>
+          </p:cNvPr>
+          <p:cNvSpPr>
+            <a:spLocks noGrp="1"/>
+          </p:cNvSpPr>
+          <p:nvPr>
+            <p:ph sz="quarter" idx="10"/>
+          </p:nvPr>
+        </p:nvSpPr>
+        <p:spPr/>
+        <p:txBody>
+          <a:bodyPr/>
+          <a:lstStyle/>
+          <a:p>
+            <a:endParaRPr lang="zh-CN" altLang="en-US" dirty="0"/>
+          </a:p>
+        </p:txBody>
+      </p:sp>
+      <p:pic>
+        <p:nvPicPr>
+          <p:cNvPr id="10" name="图片 9">
+            <a:extLst>
+              <a:ext uri="{FF2B5EF4-FFF2-40B4-BE49-F238E27FC236}">
+                <a16:creationId xmlns:a16="http://schemas.microsoft.com/office/drawing/2014/main" id="{3C9961B3-CD4E-E36F-0099-818C6FFEF4BA}"/>
+              </a:ext>
+            </a:extLst>
+          </p:cNvPr>
+          <p:cNvPicPr>
+            <a:picLocks noChangeAspect="1"/>
+          </p:cNvPicPr>
+          <p:nvPr/>
+        </p:nvPicPr>
+        <p:blipFill>
+          <a:blip r:embed="rId4"/>
+          <a:stretch>
+            <a:fillRect/>
+          </a:stretch>
+        </p:blipFill>
+        <p:spPr>
+          <a:xfrm>
+            <a:off x="6516687" y="1747837"/>
+            <a:ext cx="4810125" cy="3781425"/>
           </a:xfrm>
           <a:prstGeom prst="rect">
             <a:avLst/>
@@ -27537,11 +27468,6 @@
               </a:rPr>
               <a:t>Next Step: Higher Resolution, Higher Identification Ratio</a:t>
             </a:r>
-            <a:endParaRPr lang="en-US" altLang="zh-CN" dirty="0">
-              <a:latin typeface="Arial" panose="020B0604020202020204" pitchFamily="34" charset="0"/>
-              <a:ea typeface="SimSun" panose="02010600030101010101" pitchFamily="2" charset="-122"/>
-              <a:cs typeface="Arial" panose="020B0604020202020204" pitchFamily="34" charset="0"/>
-            </a:endParaRPr>
           </a:p>
         </p:txBody>
       </p:sp>
@@ -27564,6 +27490,7 @@
           <a:bodyPr vert="horz" wrap="square" lIns="91440" tIns="45720" rIns="91440" bIns="45720" rtlCol="0">
             <a:noAutofit/>
           </a:bodyPr>
+          <a:lstStyle/>
           <a:p>
             <a:pPr marL="342900" indent="-342900" algn="l">
               <a:buFont typeface="Arial" panose="020B0604020202020204" pitchFamily="34" charset="0"/>
@@ -27576,10 +27503,6 @@
               </a:rPr>
               <a:t>Try and find the most suitable neighborhood areas to calculate “center of mass” to optimize the result.</a:t>
             </a:r>
-            <a:endParaRPr lang="en-US" altLang="zh-CN" sz="2800" dirty="0">
-              <a:latin typeface="Arial" panose="020B0604020202020204" pitchFamily="34" charset="0"/>
-              <a:cs typeface="Arial" panose="020B0604020202020204" pitchFamily="34" charset="0"/>
-            </a:endParaRPr>
           </a:p>
           <a:p>
             <a:pPr marL="342900" indent="-342900" algn="l">
@@ -27593,10 +27516,6 @@
               </a:rPr>
               <a:t>For those clusters which were failed to be recognized, we can use a weaker creteria. This approach may introduce many noise clusters, so we need to weed them out.</a:t>
             </a:r>
-            <a:endParaRPr lang="en-US" altLang="zh-CN" sz="2800" dirty="0">
-              <a:latin typeface="Arial" panose="020B0604020202020204" pitchFamily="34" charset="0"/>
-              <a:cs typeface="Arial" panose="020B0604020202020204" pitchFamily="34" charset="0"/>
-            </a:endParaRPr>
           </a:p>
           <a:p>
             <a:pPr marL="342900" indent="-342900" algn="l">
@@ -27616,21 +27535,8 @@
                 <a:cs typeface="Arial" panose="020B0604020202020204" pitchFamily="34" charset="0"/>
                 <a:sym typeface="+mn-ea"/>
               </a:rPr>
-              <a:t>noise clusters, we can apply a threshold to the raw image, or use chracteristics such as the value of the maxima, sum of 3*3 neighborhood, </a:t>
+              <a:t>noise clusters, we can apply a threshold to the raw image, or use chracteristics such as the value of the maxima, sum of 3*3 neighborhood, sum of 5*5 neighborhood</a:t>
             </a:r>
-            <a:r>
-              <a:rPr lang="en-US" altLang="zh-CN" sz="2800" dirty="0">
-                <a:latin typeface="Arial" panose="020B0604020202020204" pitchFamily="34" charset="0"/>
-                <a:cs typeface="Arial" panose="020B0604020202020204" pitchFamily="34" charset="0"/>
-                <a:sym typeface="+mn-ea"/>
-              </a:rPr>
-              <a:t>sum of 5*5 neighborhood</a:t>
-            </a:r>
-            <a:endParaRPr lang="en-US" altLang="zh-CN" sz="2800" dirty="0">
-              <a:latin typeface="Arial" panose="020B0604020202020204" pitchFamily="34" charset="0"/>
-              <a:cs typeface="Arial" panose="020B0604020202020204" pitchFamily="34" charset="0"/>
-              <a:sym typeface="+mn-ea"/>
-            </a:endParaRPr>
           </a:p>
         </p:txBody>
       </p:sp>
@@ -27642,10 +27548,9 @@
 </p:sld>
 </file>
 
-<file path=ppt/tags/tag2.xml><?xml version="1.0" encoding="utf-8"?>
-<p:tagLst xmlns:p="http://schemas.openxmlformats.org/presentationml/2006/main">
-  <p:tag name="COMMONDATA" val="eyJoZGlkIjoiNDhkNzk2OWU5ZGE1M2I4YTE3NDZhN2NlZTkzNGY5MGIifQ=="/>
-  <p:tag name="commondata" val="eyJoZGlkIjoiZTMzOTRiYTdlZWMxOTU1ODAwNzE5N2I3ZjY0ZTM0YzkifQ=="/>
+<file path=ppt/tags/tag1.xml><?xml version="1.0" encoding="utf-8"?>
+<p:tagLst xmlns:a="http://schemas.openxmlformats.org/drawingml/2006/main" xmlns:r="http://schemas.openxmlformats.org/officeDocument/2006/relationships" xmlns:p="http://schemas.openxmlformats.org/presentationml/2006/main">
+  <p:tag name="COMMONDATA" val="eyJoZGlkIjoiZTMzOTRiYTdlZWMxOTU1ODAwNzE5N2I3ZjY0ZTM0YzkifQ=="/>
 </p:tagLst>
 </file>
 
@@ -27857,6 +27762,7 @@
       </a:lstStyle>
     </a:txDef>
   </a:objectDefaults>
+  <a:extraClrSchemeLst/>
   <a:extLst>
     <a:ext uri="{05A4C25C-085E-4340-85A3-A5531E510DB2}">
       <thm15:themeFamily xmlns:thm15="http://schemas.microsoft.com/office/thememl/2012/main" name="Office Theme" id="{62F939B6-93AF-4DB8-9C6B-D6C7DFDC589F}" vid="{4A3C46E8-61CC-4603-A589-7422A47A8E4A}"/>
@@ -28116,6 +28022,8 @@
       </a:bgFillStyleLst>
     </a:fmtScheme>
   </a:themeElements>
+  <a:objectDefaults/>
+  <a:extraClrSchemeLst/>
   <a:extLst>
     <a:ext uri="{05A4C25C-085E-4340-85A3-A5531E510DB2}">
       <thm15:themeFamily xmlns:thm15="http://schemas.microsoft.com/office/thememl/2012/main" name="Office Theme" id="{62F939B6-93AF-4DB8-9C6B-D6C7DFDC589F}" vid="{4A3C46E8-61CC-4603-A589-7422A47A8E4A}"/>
@@ -28375,6 +28283,8 @@
       </a:bgFillStyleLst>
     </a:fmtScheme>
   </a:themeElements>
+  <a:objectDefaults/>
+  <a:extraClrSchemeLst/>
   <a:extLst>
     <a:ext uri="{05A4C25C-085E-4340-85A3-A5531E510DB2}">
       <thm15:themeFamily xmlns:thm15="http://schemas.microsoft.com/office/thememl/2012/main" name="Office Theme" id="{62F939B6-93AF-4DB8-9C6B-D6C7DFDC589F}" vid="{4A3C46E8-61CC-4603-A589-7422A47A8E4A}"/>
@@ -28383,7 +28293,24 @@
 </a:theme>
 </file>
 
-<file path=customXml/item1.xml>��< ? x m l   v e r s i o n = " 1 . 0 " ? > < p : p r o p e r t i e s   x m l n s : p = " h t t p : / / s c h e m a s . m i c r o s o f t . c o m / o f f i c e / 2 0 0 6 / m e t a d a t a / p r o p e r t i e s "   x m l n s : x s i = " h t t p : / / w w w . w 3 . o r g / 2 0 0 1 / X M L S c h e m a - i n s t a n c e "   x m l n s : p c = " h t t p : / / s c h e m a s . m i c r o s o f t . c o m / o f f i c e / i n f o p a t h / 2 0 0 7 / P a r t n e r C o n t r o l s " > < d o c u m e n t M a n a g e m e n t > < _ i p _ U n i f i e d C o m p l i a n c e P o l i c y U I A c t i o n   x m l n s = " h t t p : / / s c h e m a s . m i c r o s o f t . c o m / s h a r e p o i n t / v 3 "   x s i : n i l = " t r u e " / > < I m a g e   x m l n s = " 7 1 a f 3 2 4 3 - 3 d d 4 - 4 a 8 d - 8 c 0 d - d d 7 6 d a 1 f 0 2 a 5 " > < U r l   x s i : n i l = " t r u e " > < / U r l > < D e s c r i p t i o n   x s i : n i l = " t r u e " > < / D e s c r i p t i o n > < / I m a g e > < S t a t u s   x m l n s = " 7 1 a f 3 2 4 3 - 3 d d 4 - 4 a 8 d - 8 c 0 d - d d 7 6 d a 1 f 0 2 a 5 " > N o t   s t a r t e d < / S t a t u s > < B a c k g r o u n d   x m l n s = " 7 1 a f 3 2 4 3 - 3 d d 4 - 4 a 8 d - 8 c 0 d - d d 7 6 d a 1 f 0 2 a 5 " > f a l s e < / B a c k g r o u n d > < _ i p _ U n i f i e d C o m p l i a n c e P o l i c y P r o p e r t i e s   x m l n s = " h t t p : / / s c h e m a s . m i c r o s o f t . c o m / s h a r e p o i n t / v 3 "   x s i : n i l = " t r u e " / > < I m a g e T a g s T a x H T F i e l d   x m l n s = " 7 1 a f 3 2 4 3 - 3 d d 4 - 4 a 8 d - 8 c 0 d - d d 7 6 d a 1 f 0 2 a 5 " > < T e r m s   x m l n s = " h t t p : / / s c h e m a s . m i c r o s o f t . c o m / o f f i c e / i n f o p a t h / 2 0 0 7 / P a r t n e r C o n t r o l s " > < / T e r m s > < / I m a g e T a g s T a x H T F i e l d > < T a x C a t c h A l l   x m l n s = " 2 3 0 e 9 d f 3 - b e 6 5 - 4 c 7 3 - a 9 3 b - d 1 2 3 6 e b d 6 7 7 e "   x s i : n i l = " t r u e " / > < M e d i a S e r v i c e K e y P o i n t s   x m l n s = " 7 1 a f 3 2 4 3 - 3 d d 4 - 4 a 8 d - 8 c 0 d - d d 7 6 d a 1 f 0 2 a 5 "   x s i : n i l = " t r u e " / > < / d o c u m e n t M a n a g e m e n t > < / p : p r o p e r t i e s > 
+<file path=customXml/item1.xml><?xml version="1.0" encoding="utf-8"?>
+<p:properties xmlns:p="http://schemas.microsoft.com/office/2006/metadata/properties" xmlns:xsi="http://www.w3.org/2001/XMLSchema-instance" xmlns:pc="http://schemas.microsoft.com/office/infopath/2007/PartnerControls">
+  <documentManagement>
+    <_ip_UnifiedCompliancePolicyUIAction xmlns="http://schemas.microsoft.com/sharepoint/v3" xsi:nil="true"/>
+    <Image xmlns="71af3243-3dd4-4a8d-8c0d-dd76da1f02a5">
+      <Url xsi:nil="true"/>
+      <Description xsi:nil="true"/>
+    </Image>
+    <Status xmlns="71af3243-3dd4-4a8d-8c0d-dd76da1f02a5">Not started</Status>
+    <Background xmlns="71af3243-3dd4-4a8d-8c0d-dd76da1f02a5">false</Background>
+    <_ip_UnifiedCompliancePolicyProperties xmlns="http://schemas.microsoft.com/sharepoint/v3" xsi:nil="true"/>
+    <ImageTagsTaxHTField xmlns="71af3243-3dd4-4a8d-8c0d-dd76da1f02a5">
+      <Terms xmlns="http://schemas.microsoft.com/office/infopath/2007/PartnerControls"/>
+    </ImageTagsTaxHTField>
+    <TaxCatchAll xmlns="230e9df3-be65-4c73-a93b-d1236ebd677e" xsi:nil="true"/>
+    <MediaServiceKeyPoints xmlns="71af3243-3dd4-4a8d-8c0d-dd76da1f02a5" xsi:nil="true"/>
+  </documentManagement>
+</p:properties>
 </file>
 
 <file path=customXml/itemProps1.xml><?xml version="1.0" encoding="utf-8"?>
